--- a/pubs/2016-talks/2016-06-09-cpa/ppt/Portland-CAR-next-steps-2016-08-05.pptx
+++ b/pubs/2016-talks/2016-06-09-cpa/ppt/Portland-CAR-next-steps-2016-08-05.pptx
@@ -6163,48 +6163,19 @@
           <a:p>
             <a:r>
               <a:rPr lang="en-US" dirty="0" smtClean="0"/>
-              <a:t> </a:t>
-            </a:r>
+              <a:t> evidence must be documented, otherwise it can’t be used in courtroom</a:t>
+            </a:r>
+          </a:p>
+          <a:p>
             <a:r>
               <a:rPr lang="en-US" dirty="0" smtClean="0"/>
-              <a:t>evidence </a:t>
-            </a:r>
+              <a:t> cannot be vouched for</a:t>
+            </a:r>
+          </a:p>
+          <a:p>
             <a:r>
               <a:rPr lang="en-US" dirty="0" smtClean="0"/>
-              <a:t>must be documented, otherwise </a:t>
-            </a:r>
-            <a:r>
-              <a:rPr lang="en-US" dirty="0" smtClean="0"/>
-              <a:t>it can’t be used in courtroom</a:t>
-            </a:r>
-            <a:endParaRPr lang="en-US" dirty="0" smtClean="0"/>
-          </a:p>
-          <a:p>
-            <a:r>
-              <a:rPr lang="en-US" dirty="0" smtClean="0"/>
-              <a:t> </a:t>
-            </a:r>
-            <a:r>
-              <a:rPr lang="en-US" dirty="0" smtClean="0"/>
-              <a:t>cannot </a:t>
-            </a:r>
-            <a:r>
-              <a:rPr lang="en-US" dirty="0" smtClean="0"/>
-              <a:t>be vouched for</a:t>
-            </a:r>
-          </a:p>
-          <a:p>
-            <a:r>
-              <a:rPr lang="en-US" dirty="0" smtClean="0"/>
-              <a:t> </a:t>
-            </a:r>
-            <a:r>
-              <a:rPr lang="en-US" dirty="0" smtClean="0"/>
-              <a:t>can </a:t>
-            </a:r>
-            <a:r>
-              <a:rPr lang="en-US" dirty="0" smtClean="0"/>
-              <a:t>be contaminated during investigation</a:t>
+              <a:t> can be contaminated during investigation</a:t>
             </a:r>
           </a:p>
           <a:p>
@@ -6216,19 +6187,7 @@
             </a:pPr>
             <a:r>
               <a:rPr lang="en-US" dirty="0" smtClean="0"/>
-              <a:t>Gen 2 </a:t>
-            </a:r>
-            <a:r>
-              <a:rPr lang="en-US" dirty="0" smtClean="0"/>
-              <a:t>has the evidence under control the entire time from </a:t>
-            </a:r>
-            <a:r>
-              <a:rPr lang="en-US" dirty="0" smtClean="0"/>
-              <a:t>the crime </a:t>
-            </a:r>
-            <a:r>
-              <a:rPr lang="en-US" dirty="0" smtClean="0"/>
-              <a:t>scene to the courtroom</a:t>
+              <a:t>Gen 2 has the evidence under control the entire time from the crime scene to the courtroom</a:t>
             </a:r>
           </a:p>
           <a:p>
@@ -6349,36 +6308,20 @@
           <a:p>
             <a:r>
               <a:rPr lang="en-US" dirty="0" smtClean="0"/>
-              <a:t>Pre-Conference Survey </a:t>
-            </a:r>
+              <a:t>Pre-Conference Survey + data  </a:t>
+            </a:r>
+          </a:p>
+          <a:p>
             <a:r>
               <a:rPr lang="en-US" dirty="0" smtClean="0"/>
-              <a:t>+ data  </a:t>
-            </a:r>
-          </a:p>
-          <a:p>
+              <a:t>No human intervention after that:</a:t>
+            </a:r>
+          </a:p>
+          <a:p>
+            <a:pPr lvl="1"/>
             <a:r>
               <a:rPr lang="en-US" dirty="0" smtClean="0"/>
-              <a:t>No human intervention after </a:t>
-            </a:r>
-            <a:r>
-              <a:rPr lang="en-US" dirty="0" smtClean="0"/>
-              <a:t>that:</a:t>
-            </a:r>
-          </a:p>
-          <a:p>
-            <a:pPr lvl="1"/>
-            <a:r>
-              <a:rPr lang="en-US" dirty="0" smtClean="0"/>
-              <a:t>no </a:t>
-            </a:r>
-            <a:r>
-              <a:rPr lang="en-US" dirty="0" smtClean="0"/>
-              <a:t>subjective </a:t>
-            </a:r>
-            <a:r>
-              <a:rPr lang="en-US" dirty="0" smtClean="0"/>
-              <a:t>decision</a:t>
+              <a:t>no subjective decision</a:t>
             </a:r>
           </a:p>
           <a:p>
@@ -6392,17 +6335,8 @@
             <a:pPr lvl="1"/>
             <a:r>
               <a:rPr lang="en-US" dirty="0" smtClean="0"/>
-              <a:t>oversight </a:t>
-            </a:r>
-            <a:r>
-              <a:rPr lang="en-US" dirty="0" smtClean="0"/>
-              <a:t>of script </a:t>
-            </a:r>
-            <a:r>
-              <a:rPr lang="en-US" dirty="0" smtClean="0"/>
-              <a:t>execution</a:t>
-            </a:r>
-            <a:endParaRPr lang="en-US" dirty="0" smtClean="0"/>
+              <a:t>oversight of script execution</a:t>
+            </a:r>
           </a:p>
           <a:p>
             <a:endParaRPr lang="en-US" dirty="0" smtClean="0"/>
@@ -6836,39 +6770,14 @@
           <a:p>
             <a:r>
               <a:rPr lang="en-US" dirty="0" smtClean="0"/>
-              <a:t>Lower </a:t>
-            </a:r>
+              <a:t>Lower cost of collaboration during coordinated analysis</a:t>
+            </a:r>
+          </a:p>
+          <a:p>
             <a:r>
               <a:rPr lang="en-US" dirty="0" smtClean="0"/>
-              <a:t>cost </a:t>
-            </a:r>
-            <a:r>
-              <a:rPr lang="en-US" dirty="0" smtClean="0"/>
-              <a:t>of collaboration during </a:t>
-            </a:r>
-            <a:r>
-              <a:rPr lang="en-US" dirty="0" smtClean="0"/>
-              <a:t>coordinated analysis</a:t>
-            </a:r>
-          </a:p>
-          <a:p>
-            <a:r>
-              <a:rPr lang="en-US" dirty="0" smtClean="0"/>
-              <a:t>Alleviates the d</a:t>
-            </a:r>
-            <a:r>
-              <a:rPr lang="en-US" dirty="0" smtClean="0"/>
-              <a:t>isheartening difficulty/</a:t>
-            </a:r>
-            <a:r>
-              <a:rPr lang="en-US" dirty="0" smtClean="0"/>
-              <a:t>length </a:t>
-            </a:r>
-            <a:r>
-              <a:rPr lang="en-US" dirty="0" smtClean="0"/>
-              <a:t>of result extraction</a:t>
-            </a:r>
-            <a:endParaRPr lang="en-US" dirty="0" smtClean="0"/>
+              <a:t>Alleviates the disheartening difficulty/length of result extraction</a:t>
+            </a:r>
           </a:p>
           <a:p>
             <a:r>
@@ -6968,11 +6877,7 @@
             </a:pPr>
             <a:r>
               <a:rPr lang="en-US" dirty="0" smtClean="0"/>
-              <a:t>Focus </a:t>
-            </a:r>
-            <a:r>
-              <a:rPr lang="en-US" dirty="0" smtClean="0"/>
-              <a:t>changes</a:t>
+              <a:t>Focus changes</a:t>
             </a:r>
           </a:p>
           <a:p>
@@ -6984,13 +6889,8 @@
           <a:p>
             <a:r>
               <a:rPr lang="en-US" dirty="0" smtClean="0"/>
-              <a:t>To:  How can we organize the </a:t>
-            </a:r>
-            <a:r>
-              <a:rPr lang="en-US" dirty="0" smtClean="0"/>
-              <a:t>results? </a:t>
-            </a:r>
-            <a:endParaRPr lang="en-US" dirty="0" smtClean="0"/>
+              <a:t>To:  How can we organize the results? </a:t>
+            </a:r>
           </a:p>
           <a:p>
             <a:r>
@@ -7397,21 +7297,21 @@
                 <a:gridCol w="5745016">
                   <a:extLst>
                     <a:ext uri="{9D8B030D-6E8A-4147-A177-3AD203B41FA5}">
-                      <a16:colId xmlns:a16="http://schemas.microsoft.com/office/drawing/2014/main" xmlns="" val="20000"/>
+                      <a16:colId xmlns="" xmlns:a16="http://schemas.microsoft.com/office/drawing/2014/main" val="20000"/>
                     </a:ext>
                   </a:extLst>
                 </a:gridCol>
                 <a:gridCol w="1228436">
                   <a:extLst>
                     <a:ext uri="{9D8B030D-6E8A-4147-A177-3AD203B41FA5}">
-                      <a16:colId xmlns:a16="http://schemas.microsoft.com/office/drawing/2014/main" xmlns="" val="20001"/>
+                      <a16:colId xmlns="" xmlns:a16="http://schemas.microsoft.com/office/drawing/2014/main" val="20001"/>
                     </a:ext>
                   </a:extLst>
                 </a:gridCol>
                 <a:gridCol w="2697021">
                   <a:extLst>
                     <a:ext uri="{9D8B030D-6E8A-4147-A177-3AD203B41FA5}">
-                      <a16:colId xmlns:a16="http://schemas.microsoft.com/office/drawing/2014/main" xmlns="" val="20002"/>
+                      <a16:colId xmlns="" xmlns:a16="http://schemas.microsoft.com/office/drawing/2014/main" val="20002"/>
                     </a:ext>
                   </a:extLst>
                 </a:gridCol>
@@ -7509,7 +7409,7 @@
                 </a:tc>
                 <a:extLst>
                   <a:ext uri="{0D108BD9-81ED-4DB2-BD59-A6C34878D82A}">
-                    <a16:rowId xmlns:a16="http://schemas.microsoft.com/office/drawing/2014/main" xmlns="" val="10000"/>
+                    <a16:rowId xmlns="" xmlns:a16="http://schemas.microsoft.com/office/drawing/2014/main" val="10000"/>
                   </a:ext>
                 </a:extLst>
               </a:tr>
@@ -7621,7 +7521,7 @@
                 </a:tc>
                 <a:extLst>
                   <a:ext uri="{0D108BD9-81ED-4DB2-BD59-A6C34878D82A}">
-                    <a16:rowId xmlns:a16="http://schemas.microsoft.com/office/drawing/2014/main" xmlns="" val="10001"/>
+                    <a16:rowId xmlns="" xmlns:a16="http://schemas.microsoft.com/office/drawing/2014/main" val="10001"/>
                   </a:ext>
                 </a:extLst>
               </a:tr>
@@ -7733,7 +7633,7 @@
                 </a:tc>
                 <a:extLst>
                   <a:ext uri="{0D108BD9-81ED-4DB2-BD59-A6C34878D82A}">
-                    <a16:rowId xmlns:a16="http://schemas.microsoft.com/office/drawing/2014/main" xmlns="" val="10002"/>
+                    <a16:rowId xmlns="" xmlns:a16="http://schemas.microsoft.com/office/drawing/2014/main" val="10002"/>
                   </a:ext>
                 </a:extLst>
               </a:tr>
@@ -7854,7 +7754,7 @@
                 </a:tc>
                 <a:extLst>
                   <a:ext uri="{0D108BD9-81ED-4DB2-BD59-A6C34878D82A}">
-                    <a16:rowId xmlns:a16="http://schemas.microsoft.com/office/drawing/2014/main" xmlns="" val="10003"/>
+                    <a16:rowId xmlns="" xmlns:a16="http://schemas.microsoft.com/office/drawing/2014/main" val="10003"/>
                   </a:ext>
                 </a:extLst>
               </a:tr>
@@ -7966,7 +7866,7 @@
                 </a:tc>
                 <a:extLst>
                   <a:ext uri="{0D108BD9-81ED-4DB2-BD59-A6C34878D82A}">
-                    <a16:rowId xmlns:a16="http://schemas.microsoft.com/office/drawing/2014/main" xmlns="" val="10004"/>
+                    <a16:rowId xmlns="" xmlns:a16="http://schemas.microsoft.com/office/drawing/2014/main" val="10004"/>
                   </a:ext>
                 </a:extLst>
               </a:tr>
@@ -8078,7 +7978,7 @@
                 </a:tc>
                 <a:extLst>
                   <a:ext uri="{0D108BD9-81ED-4DB2-BD59-A6C34878D82A}">
-                    <a16:rowId xmlns:a16="http://schemas.microsoft.com/office/drawing/2014/main" xmlns="" val="10005"/>
+                    <a16:rowId xmlns="" xmlns:a16="http://schemas.microsoft.com/office/drawing/2014/main" val="10005"/>
                   </a:ext>
                 </a:extLst>
               </a:tr>
@@ -8193,7 +8093,7 @@
                 </a:tc>
                 <a:extLst>
                   <a:ext uri="{0D108BD9-81ED-4DB2-BD59-A6C34878D82A}">
-                    <a16:rowId xmlns:a16="http://schemas.microsoft.com/office/drawing/2014/main" xmlns="" val="10006"/>
+                    <a16:rowId xmlns="" xmlns:a16="http://schemas.microsoft.com/office/drawing/2014/main" val="10006"/>
                   </a:ext>
                 </a:extLst>
               </a:tr>
@@ -8340,7 +8240,7 @@
                 </a:tc>
                 <a:extLst>
                   <a:ext uri="{0D108BD9-81ED-4DB2-BD59-A6C34878D82A}">
-                    <a16:rowId xmlns:a16="http://schemas.microsoft.com/office/drawing/2014/main" xmlns="" val="10007"/>
+                    <a16:rowId xmlns="" xmlns:a16="http://schemas.microsoft.com/office/drawing/2014/main" val="10007"/>
                   </a:ext>
                 </a:extLst>
               </a:tr>
@@ -8452,7 +8352,7 @@
                 </a:tc>
                 <a:extLst>
                   <a:ext uri="{0D108BD9-81ED-4DB2-BD59-A6C34878D82A}">
-                    <a16:rowId xmlns:a16="http://schemas.microsoft.com/office/drawing/2014/main" xmlns="" val="10008"/>
+                    <a16:rowId xmlns="" xmlns:a16="http://schemas.microsoft.com/office/drawing/2014/main" val="10008"/>
                   </a:ext>
                 </a:extLst>
               </a:tr>
@@ -8583,7 +8483,7 @@
                 </a:tc>
                 <a:extLst>
                   <a:ext uri="{0D108BD9-81ED-4DB2-BD59-A6C34878D82A}">
-                    <a16:rowId xmlns:a16="http://schemas.microsoft.com/office/drawing/2014/main" xmlns="" val="10009"/>
+                    <a16:rowId xmlns="" xmlns:a16="http://schemas.microsoft.com/office/drawing/2014/main" val="10009"/>
                   </a:ext>
                 </a:extLst>
               </a:tr>
@@ -9194,11 +9094,11 @@
   <p:clrMapOvr>
     <a:masterClrMapping/>
   </p:clrMapOvr>
-  <mc:AlternateContent xmlns:mc="http://schemas.openxmlformats.org/markup-compatibility/2006">
-    <mc:Choice xmlns:p14="http://schemas.microsoft.com/office/powerpoint/2010/main" Requires="p14">
+  <mc:AlternateContent xmlns:mc="http://schemas.openxmlformats.org/markup-compatibility/2006" xmlns:p14="http://schemas.microsoft.com/office/powerpoint/2010/main">
+    <mc:Choice Requires="p14">
       <p:transition spd="slow" p14:dur="2000" advTm="1000"/>
     </mc:Choice>
-    <mc:Fallback>
+    <mc:Fallback xmlns="">
       <p:transition spd="slow" advTm="1000"/>
     </mc:Fallback>
   </mc:AlternateContent>
@@ -9269,57 +9169,28 @@
           <a:p>
             <a:r>
               <a:rPr lang="en-US" dirty="0" smtClean="0"/>
-              <a:t>Unlike Gen 1 that offered only option 1, Gen 2 </a:t>
-            </a:r>
+              <a:t>Unlike Gen 1 that offered only option 1, Gen 2 offers different types of workshops:</a:t>
+            </a:r>
+          </a:p>
+          <a:p>
+            <a:endParaRPr lang="en-US" dirty="0" smtClean="0"/>
+          </a:p>
+          <a:p>
             <a:r>
               <a:rPr lang="en-US" dirty="0" smtClean="0"/>
-              <a:t>offers different types of workshops:</a:t>
-            </a:r>
-          </a:p>
-          <a:p>
-            <a:endParaRPr lang="en-US" dirty="0" smtClean="0"/>
+              <a:t> together ( 4 days + travel costs)</a:t>
+            </a:r>
           </a:p>
           <a:p>
             <a:r>
               <a:rPr lang="en-US" dirty="0" smtClean="0"/>
-              <a:t> </a:t>
-            </a:r>
+              <a:t> remote completely (regular, spaced out meetings online)</a:t>
+            </a:r>
+          </a:p>
+          <a:p>
             <a:r>
               <a:rPr lang="en-US" dirty="0" smtClean="0"/>
-              <a:t>together ( 4 days + travel costs)</a:t>
-            </a:r>
-          </a:p>
-          <a:p>
-            <a:r>
-              <a:rPr lang="en-US" dirty="0" smtClean="0"/>
-              <a:t> </a:t>
-            </a:r>
-            <a:r>
-              <a:rPr lang="en-US" dirty="0" smtClean="0"/>
-              <a:t>remote completely </a:t>
-            </a:r>
-            <a:r>
-              <a:rPr lang="en-US" dirty="0" smtClean="0"/>
-              <a:t>(regular, spaced out meetings online)</a:t>
-            </a:r>
-            <a:endParaRPr lang="en-US" dirty="0" smtClean="0"/>
-          </a:p>
-          <a:p>
-            <a:r>
-              <a:rPr lang="en-US" dirty="0" smtClean="0"/>
-              <a:t> </a:t>
-            </a:r>
-            <a:r>
-              <a:rPr lang="en-US" dirty="0" smtClean="0"/>
-              <a:t>hybrid (muscle happens quickly, more time dedicated to the interpretation and writing), happens at the conference workshop ( </a:t>
-            </a:r>
-            <a:r>
-              <a:rPr lang="en-US" dirty="0" smtClean="0"/>
-              <a:t>~6 </a:t>
-            </a:r>
-            <a:r>
-              <a:rPr lang="en-US" dirty="0" smtClean="0"/>
-              <a:t>hours </a:t>
+              <a:t> hybrid (muscle happens quickly, more time dedicated to the interpretation and writing), happens at the conference workshop ( ~6 hours </a:t>
             </a:r>
           </a:p>
           <a:p>
@@ -10357,15 +10228,7 @@
             </a:pPr>
             <a:r>
               <a:rPr lang="en-US" dirty="0" smtClean="0"/>
-              <a:t>Remove human error </a:t>
-            </a:r>
-            <a:r>
-              <a:rPr lang="en-US" dirty="0" smtClean="0"/>
-              <a:t>during extracting </a:t>
-            </a:r>
-            <a:r>
-              <a:rPr lang="en-US" dirty="0" smtClean="0"/>
-              <a:t>indices from outputs</a:t>
+              <a:t>Remove human error during extracting indices from outputs</a:t>
             </a:r>
           </a:p>
           <a:p>
@@ -10547,13 +10410,8 @@
             <a:pPr lvl="1"/>
             <a:r>
               <a:rPr lang="en-US" dirty="0" smtClean="0"/>
-              <a:t>But there were many unexpected specifics that </a:t>
-            </a:r>
-            <a:r>
-              <a:rPr lang="en-US" dirty="0" smtClean="0"/>
-              <a:t>threatened the validity of conclusions</a:t>
-            </a:r>
-            <a:endParaRPr lang="en-US" dirty="0" smtClean="0"/>
+              <a:t>But there were many unexpected specifics that threatened the validity of conclusions</a:t>
+            </a:r>
           </a:p>
         </p:txBody>
       </p:sp>
